--- a/Финальная презентация ПТЭнец.pptx
+++ b/Финальная презентация ПТЭнец.pptx
@@ -8,17 +8,15 @@
     <p:sldId id="256" r:id="rId2"/>
     <p:sldId id="257" r:id="rId3"/>
     <p:sldId id="258" r:id="rId4"/>
-    <p:sldId id="259" r:id="rId5"/>
-    <p:sldId id="260" r:id="rId6"/>
-    <p:sldId id="261" r:id="rId7"/>
-    <p:sldId id="262" r:id="rId8"/>
-    <p:sldId id="263" r:id="rId9"/>
-    <p:sldId id="264" r:id="rId10"/>
-    <p:sldId id="265" r:id="rId11"/>
-    <p:sldId id="266" r:id="rId12"/>
-    <p:sldId id="267" r:id="rId13"/>
-    <p:sldId id="268" r:id="rId14"/>
-    <p:sldId id="270" r:id="rId15"/>
+    <p:sldId id="271" r:id="rId5"/>
+    <p:sldId id="272" r:id="rId6"/>
+    <p:sldId id="260" r:id="rId7"/>
+    <p:sldId id="259" r:id="rId8"/>
+    <p:sldId id="265" r:id="rId9"/>
+    <p:sldId id="261" r:id="rId10"/>
+    <p:sldId id="266" r:id="rId11"/>
+    <p:sldId id="267" r:id="rId12"/>
+    <p:sldId id="270" r:id="rId13"/>
   </p:sldIdLst>
   <p:sldSz cx="12192000" cy="6858000"/>
   <p:notesSz cx="6858000" cy="9144000"/>
@@ -117,6 +115,11 @@
       </a:defRPr>
     </a:lvl9pPr>
   </p:defaultTextStyle>
+  <p:extLst>
+    <p:ext uri="{EFAFB233-063F-42B5-8137-9DF3F51BA10A}">
+      <p15:sldGuideLst xmlns:p15="http://schemas.microsoft.com/office/powerpoint/2012/main"/>
+    </p:ext>
+  </p:extLst>
 </p:presentation>
 </file>
 
@@ -6334,7 +6337,7 @@
           </a:effectLst>
           <a:extLst>
             <a:ext uri="{91240B29-F687-4f45-9708-019B960494DF}">
-              <a14:hiddenLine xmlns="" xmlns:a14="http://schemas.microsoft.com/office/drawing/2010/main" xmlns:p14="http://schemas.microsoft.com/office/powerpoint/2010/main" xmlns:a16="http://schemas.microsoft.com/office/drawing/2014/main" w="9525">
+              <a14:hiddenLine xmlns:a16="http://schemas.microsoft.com/office/drawing/2014/main" xmlns:p14="http://schemas.microsoft.com/office/powerpoint/2010/main" xmlns:a14="http://schemas.microsoft.com/office/drawing/2010/main" xmlns="" w="9525">
                 <a:solidFill>
                   <a:srgbClr val="000000"/>
                 </a:solidFill>
@@ -6453,7 +6456,7 @@
 </file>
 
 <file path=ppt/slides/slide10.xml><?xml version="1.0" encoding="utf-8"?>
-<p:sld xmlns:a="http://schemas.openxmlformats.org/drawingml/2006/main" xmlns:r="http://schemas.openxmlformats.org/officeDocument/2006/relationships" xmlns:p="http://schemas.openxmlformats.org/presentationml/2006/main">
+<p:sld xmlns:a="http://schemas.openxmlformats.org/drawingml/2006/main" xmlns:r="http://schemas.openxmlformats.org/officeDocument/2006/relationships" xmlns:p="http://schemas.openxmlformats.org/presentationml/2006/main" show="0">
   <p:cSld>
     <p:spTree>
       <p:nvGrpSpPr>
@@ -6526,17 +6529,17 @@
                 </a:solidFill>
                 <a:effectLst/>
               </a:rPr>
-              <a:t>Стартап</a:t>
+              <a:t>Финансирование</a:t>
             </a:r>
           </a:p>
         </p:txBody>
       </p:sp>
       <p:pic>
         <p:nvPicPr>
-          <p:cNvPr id="2050" name="Picture 2" descr="Картинки по запросу илон маск курит">
+          <p:cNvPr id="4098" name="Picture 2" descr="Картинки по запросу art counts money">
             <a:extLst>
               <a:ext uri="{FF2B5EF4-FFF2-40B4-BE49-F238E27FC236}">
-                <a16:creationId xmlns:a16="http://schemas.microsoft.com/office/drawing/2014/main" id="{FCEB869A-A45A-4E51-9DB2-D19DA16F8CC1}"/>
+                <a16:creationId xmlns:a16="http://schemas.microsoft.com/office/drawing/2014/main" id="{5D2812A7-39B3-4E27-91B8-AF543F17311D}"/>
               </a:ext>
             </a:extLst>
           </p:cNvPr>
@@ -6545,7 +6548,7 @@
           </p:cNvPicPr>
           <p:nvPr/>
         </p:nvPicPr>
-        <p:blipFill>
+        <p:blipFill rotWithShape="1">
           <a:blip r:embed="rId3">
             <a:extLst>
               <a:ext uri="{28A0092B-C50C-407E-A947-70E740481C1C}">
@@ -6553,15 +6556,13 @@
               </a:ext>
             </a:extLst>
           </a:blip>
-          <a:srcRect/>
-          <a:stretch>
-            <a:fillRect/>
-          </a:stretch>
+          <a:srcRect b="3365"/>
+          <a:stretch/>
         </p:blipFill>
         <p:spPr bwMode="auto">
           <a:xfrm>
-            <a:off x="6739847" y="2276998"/>
-            <a:ext cx="4527710" cy="3018474"/>
+            <a:off x="7088115" y="1713671"/>
+            <a:ext cx="4179442" cy="4173422"/>
           </a:xfrm>
           <a:prstGeom prst="rect">
             <a:avLst/>
@@ -6578,49 +6579,10 @@
           </a:extLst>
         </p:spPr>
       </p:pic>
-      <p:sp>
-        <p:nvSpPr>
-          <p:cNvPr id="2" name="TextBox 1">
-            <a:extLst>
-              <a:ext uri="{FF2B5EF4-FFF2-40B4-BE49-F238E27FC236}">
-                <a16:creationId xmlns:a16="http://schemas.microsoft.com/office/drawing/2014/main" id="{39CAD857-E35B-483C-9803-E22513EBC477}"/>
-              </a:ext>
-            </a:extLst>
-          </p:cNvPr>
-          <p:cNvSpPr txBox="1"/>
-          <p:nvPr/>
-        </p:nvSpPr>
-        <p:spPr>
-          <a:xfrm>
-            <a:off x="7184896" y="5474737"/>
-            <a:ext cx="3648115" cy="461665"/>
-          </a:xfrm>
-          <a:prstGeom prst="rect">
-            <a:avLst/>
-          </a:prstGeom>
-          <a:noFill/>
-        </p:spPr>
-        <p:txBody>
-          <a:bodyPr wrap="none" rtlCol="0">
-            <a:spAutoFit/>
-          </a:bodyPr>
-          <a:lstStyle/>
-          <a:p>
-            <a:r>
-              <a:rPr lang="ru-RU" sz="2400" dirty="0">
-                <a:solidFill>
-                  <a:schemeClr val="bg1"/>
-                </a:solidFill>
-              </a:rPr>
-              <a:t>(нервно курит в сторонке)</a:t>
-            </a:r>
-          </a:p>
-        </p:txBody>
-      </p:sp>
     </p:spTree>
     <p:extLst>
       <p:ext uri="{BB962C8B-B14F-4D97-AF65-F5344CB8AC3E}">
-        <p14:creationId xmlns:p14="http://schemas.microsoft.com/office/powerpoint/2010/main" val="1000349104"/>
+        <p14:creationId xmlns:p14="http://schemas.microsoft.com/office/powerpoint/2010/main" val="3500474181"/>
       </p:ext>
     </p:extLst>
   </p:cSld>
@@ -6631,7 +6593,7 @@
 </file>
 
 <file path=ppt/slides/slide11.xml><?xml version="1.0" encoding="utf-8"?>
-<p:sld xmlns:a="http://schemas.openxmlformats.org/drawingml/2006/main" xmlns:r="http://schemas.openxmlformats.org/officeDocument/2006/relationships" xmlns:p="http://schemas.openxmlformats.org/presentationml/2006/main">
+<p:sld xmlns:a="http://schemas.openxmlformats.org/drawingml/2006/main" xmlns:r="http://schemas.openxmlformats.org/officeDocument/2006/relationships" xmlns:p="http://schemas.openxmlformats.org/presentationml/2006/main" show="0">
   <p:cSld>
     <p:spTree>
       <p:nvGrpSpPr>
@@ -6692,29 +6654,40 @@
             <p:ph type="title"/>
           </p:nvPr>
         </p:nvSpPr>
-        <p:spPr/>
+        <p:spPr>
+          <a:xfrm>
+            <a:off x="913795" y="609600"/>
+            <a:ext cx="10353762" cy="1257300"/>
+          </a:xfrm>
+        </p:spPr>
         <p:txBody>
           <a:bodyPr/>
           <a:lstStyle/>
           <a:p>
             <a:r>
-              <a:rPr lang="ru-RU" dirty="0">
+              <a:rPr lang="ru-RU">
                 <a:solidFill>
                   <a:schemeClr val="bg1"/>
                 </a:solidFill>
                 <a:effectLst/>
               </a:rPr>
-              <a:t>Финансирование</a:t>
-            </a:r>
+              <a:t>Инвестиционная привлекательность</a:t>
+            </a:r>
+            <a:endParaRPr lang="ru-RU" dirty="0">
+              <a:solidFill>
+                <a:schemeClr val="bg1"/>
+              </a:solidFill>
+              <a:effectLst/>
+            </a:endParaRPr>
           </a:p>
         </p:txBody>
       </p:sp>
       <p:pic>
         <p:nvPicPr>
-          <p:cNvPr id="4098" name="Picture 2" descr="Картинки по запросу art counts money">
+          <p:cNvPr id="7170" name="Picture 2" descr="Картинки по запросу stocks meme">
             <a:extLst>
               <a:ext uri="{FF2B5EF4-FFF2-40B4-BE49-F238E27FC236}">
-                <a16:creationId xmlns:a16="http://schemas.microsoft.com/office/drawing/2014/main" id="{5D2812A7-39B3-4E27-91B8-AF543F17311D}"/>
+                <a16:creationId xmlns:a16="http://schemas.microsoft.com/office/drawing/2014/main" id="{B3EE043F-F2E9-4318-8634-F965DDC0EE18}"/>
               </a:ext>
             </a:extLst>
           </p:cNvPr>
@@ -6723,7 +6696,7 @@
           </p:cNvPicPr>
           <p:nvPr/>
         </p:nvPicPr>
-        <p:blipFill rotWithShape="1">
+        <p:blipFill>
           <a:blip r:embed="rId3">
             <a:extLst>
               <a:ext uri="{28A0092B-C50C-407E-A947-70E740481C1C}">
@@ -6731,13 +6704,15 @@
               </a:ext>
             </a:extLst>
           </a:blip>
-          <a:srcRect b="3365"/>
-          <a:stretch/>
+          <a:srcRect/>
+          <a:stretch>
+            <a:fillRect/>
+          </a:stretch>
         </p:blipFill>
         <p:spPr bwMode="auto">
           <a:xfrm>
-            <a:off x="7088115" y="1713671"/>
-            <a:ext cx="4179442" cy="4173422"/>
+            <a:off x="5937110" y="1866900"/>
+            <a:ext cx="5330447" cy="3997835"/>
           </a:xfrm>
           <a:prstGeom prst="rect">
             <a:avLst/>
@@ -6757,7 +6732,7 @@
     </p:spTree>
     <p:extLst>
       <p:ext uri="{BB962C8B-B14F-4D97-AF65-F5344CB8AC3E}">
-        <p14:creationId xmlns:p14="http://schemas.microsoft.com/office/powerpoint/2010/main" val="3500474181"/>
+        <p14:creationId xmlns:p14="http://schemas.microsoft.com/office/powerpoint/2010/main" val="133576837"/>
       </p:ext>
     </p:extLst>
   </p:cSld>
@@ -6829,179 +6804,113 @@
             <p:ph type="title"/>
           </p:nvPr>
         </p:nvSpPr>
-        <p:spPr>
-          <a:xfrm>
-            <a:off x="913795" y="609600"/>
-            <a:ext cx="10353762" cy="1257300"/>
-          </a:xfrm>
-        </p:spPr>
+        <p:spPr/>
         <p:txBody>
           <a:bodyPr/>
           <a:lstStyle/>
           <a:p>
             <a:r>
-              <a:rPr lang="ru-RU">
+              <a:rPr lang="ru-RU" dirty="0">
                 <a:solidFill>
                   <a:schemeClr val="bg1"/>
                 </a:solidFill>
                 <a:effectLst/>
               </a:rPr>
-              <a:t>Инвестиционная привлекательность</a:t>
-            </a:r>
-            <a:endParaRPr lang="ru-RU" dirty="0">
-              <a:solidFill>
-                <a:schemeClr val="bg1"/>
-              </a:solidFill>
-              <a:effectLst/>
-            </a:endParaRPr>
-          </a:p>
-        </p:txBody>
-      </p:sp>
-      <p:pic>
-        <p:nvPicPr>
-          <p:cNvPr id="7170" name="Picture 2" descr="Картинки по запросу stocks meme">
+              <a:t>Итого</a:t>
+            </a:r>
+          </a:p>
+        </p:txBody>
+      </p:sp>
+      <p:sp>
+        <p:nvSpPr>
+          <p:cNvPr id="2" name="TextBox 1">
             <a:extLst>
               <a:ext uri="{FF2B5EF4-FFF2-40B4-BE49-F238E27FC236}">
-                <a16:creationId xmlns:a16="http://schemas.microsoft.com/office/drawing/2014/main" id="{B3EE043F-F2E9-4318-8634-F965DDC0EE18}"/>
+                <a16:creationId xmlns:a16="http://schemas.microsoft.com/office/drawing/2014/main" id="{311B33CC-9198-4F27-AE8D-607DE9810EE1}"/>
               </a:ext>
             </a:extLst>
           </p:cNvPr>
-          <p:cNvPicPr>
-            <a:picLocks noChangeAspect="1" noChangeArrowheads="1"/>
-          </p:cNvPicPr>
+          <p:cNvSpPr txBox="1"/>
           <p:nvPr/>
-        </p:nvPicPr>
-        <p:blipFill>
-          <a:blip r:embed="rId3">
-            <a:extLst>
-              <a:ext uri="{28A0092B-C50C-407E-A947-70E740481C1C}">
-                <a14:useLocalDpi xmlns:a14="http://schemas.microsoft.com/office/drawing/2010/main" val="0"/>
-              </a:ext>
-            </a:extLst>
-          </a:blip>
-          <a:srcRect/>
-          <a:stretch>
-            <a:fillRect/>
-          </a:stretch>
-        </p:blipFill>
-        <p:spPr bwMode="auto">
-          <a:xfrm>
-            <a:off x="5937110" y="1866900"/>
-            <a:ext cx="5330447" cy="3997835"/>
+        </p:nvSpPr>
+        <p:spPr>
+          <a:xfrm>
+            <a:off x="1376737" y="1911792"/>
+            <a:ext cx="9890820" cy="1815882"/>
           </a:xfrm>
           <a:prstGeom prst="rect">
             <a:avLst/>
           </a:prstGeom>
           <a:noFill/>
-          <a:extLst>
-            <a:ext uri="{909E8E84-426E-40DD-AFC4-6F175D3DCCD1}">
-              <a14:hiddenFill xmlns:a14="http://schemas.microsoft.com/office/drawing/2010/main">
-                <a:solidFill>
-                  <a:srgbClr val="FFFFFF"/>
-                </a:solidFill>
-              </a14:hiddenFill>
-            </a:ext>
-          </a:extLst>
-        </p:spPr>
-      </p:pic>
-    </p:spTree>
-    <p:extLst>
-      <p:ext uri="{BB962C8B-B14F-4D97-AF65-F5344CB8AC3E}">
-        <p14:creationId xmlns:p14="http://schemas.microsoft.com/office/powerpoint/2010/main" val="133576837"/>
-      </p:ext>
-    </p:extLst>
-  </p:cSld>
-  <p:clrMapOvr>
-    <a:masterClrMapping/>
-  </p:clrMapOvr>
-</p:sld>
-</file>
-
-<file path=ppt/slides/slide13.xml><?xml version="1.0" encoding="utf-8"?>
-<p:sld xmlns:a="http://schemas.openxmlformats.org/drawingml/2006/main" xmlns:r="http://schemas.openxmlformats.org/officeDocument/2006/relationships" xmlns:p="http://schemas.openxmlformats.org/presentationml/2006/main">
-  <p:cSld>
-    <p:spTree>
-      <p:nvGrpSpPr>
-        <p:cNvPr id="1" name=""/>
-        <p:cNvGrpSpPr/>
-        <p:nvPr/>
-      </p:nvGrpSpPr>
-      <p:grpSpPr>
-        <a:xfrm>
-          <a:off x="0" y="0"/>
-          <a:ext cx="0" cy="0"/>
-          <a:chOff x="0" y="0"/>
-          <a:chExt cx="0" cy="0"/>
-        </a:xfrm>
-      </p:grpSpPr>
+        </p:spPr>
+        <p:txBody>
+          <a:bodyPr wrap="square" rtlCol="0">
+            <a:spAutoFit/>
+          </a:bodyPr>
+          <a:lstStyle/>
+          <a:p>
+            <a:r>
+              <a:rPr lang="ru-RU" sz="2800" dirty="0">
+                <a:solidFill>
+                  <a:schemeClr val="bg1"/>
+                </a:solidFill>
+              </a:rPr>
+              <a:t>Готовы к сотрудничеству!</a:t>
+            </a:r>
+            <a:endParaRPr lang="en-US" sz="2800" dirty="0">
+              <a:solidFill>
+                <a:schemeClr val="bg1"/>
+              </a:solidFill>
+            </a:endParaRPr>
+          </a:p>
+          <a:p>
+            <a:endParaRPr lang="ru-RU" sz="2800" dirty="0">
+              <a:solidFill>
+                <a:schemeClr val="bg1"/>
+              </a:solidFill>
+            </a:endParaRPr>
+          </a:p>
+          <a:p>
+            <a:r>
+              <a:rPr lang="en-US" sz="2800" dirty="0">
+                <a:solidFill>
+                  <a:schemeClr val="bg1"/>
+                </a:solidFill>
+              </a:rPr>
+              <a:t>e-mail: daniel.momot@gmail.com</a:t>
+            </a:r>
+          </a:p>
+          <a:p>
+            <a:r>
+              <a:rPr lang="en-US" sz="2800" dirty="0" err="1">
+                <a:solidFill>
+                  <a:schemeClr val="bg1"/>
+                </a:solidFill>
+              </a:rPr>
+              <a:t>Whatsapp</a:t>
+            </a:r>
+            <a:r>
+              <a:rPr lang="en-US" sz="2800" dirty="0">
+                <a:solidFill>
+                  <a:schemeClr val="bg1"/>
+                </a:solidFill>
+              </a:rPr>
+              <a:t>, Telegram: +7964321xxxx</a:t>
+            </a:r>
+            <a:endParaRPr lang="ru-RU" sz="2800" dirty="0">
+              <a:solidFill>
+                <a:schemeClr val="bg1"/>
+              </a:solidFill>
+            </a:endParaRPr>
+          </a:p>
+        </p:txBody>
+      </p:sp>
       <p:pic>
         <p:nvPicPr>
-          <p:cNvPr id="15" name="Picture 3" descr="Изображение выглядит как здание, сидит, фотография, компьютер&#10;&#10;Автоматически созданное описание">
+          <p:cNvPr id="2050" name="Picture 2" descr="Похожее изображение">
             <a:extLst>
               <a:ext uri="{FF2B5EF4-FFF2-40B4-BE49-F238E27FC236}">
-                <a16:creationId xmlns:a16="http://schemas.microsoft.com/office/drawing/2014/main" id="{DB70E234-62F4-4293-9F09-B65BC23B4C74}"/>
-              </a:ext>
-            </a:extLst>
-          </p:cNvPr>
-          <p:cNvPicPr>
-            <a:picLocks noChangeAspect="1"/>
-          </p:cNvPicPr>
-          <p:nvPr/>
-        </p:nvPicPr>
-        <p:blipFill rotWithShape="1">
-          <a:blip r:embed="rId2"/>
-          <a:srcRect t="12190" b="11796"/>
-          <a:stretch/>
-        </p:blipFill>
-        <p:spPr>
-          <a:xfrm>
-            <a:off x="20" y="10"/>
-            <a:ext cx="12191980" cy="6857990"/>
-          </a:xfrm>
-          <a:prstGeom prst="rect">
-            <a:avLst/>
-          </a:prstGeom>
-        </p:spPr>
-      </p:pic>
-      <p:sp>
-        <p:nvSpPr>
-          <p:cNvPr id="8" name="Заголовок 7">
-            <a:extLst>
-              <a:ext uri="{FF2B5EF4-FFF2-40B4-BE49-F238E27FC236}">
-                <a16:creationId xmlns:a16="http://schemas.microsoft.com/office/drawing/2014/main" id="{13B12786-4067-4F17-B66C-3E1E909E5B39}"/>
-              </a:ext>
-            </a:extLst>
-          </p:cNvPr>
-          <p:cNvSpPr>
-            <a:spLocks noGrp="1"/>
-          </p:cNvSpPr>
-          <p:nvPr>
-            <p:ph type="title"/>
-          </p:nvPr>
-        </p:nvSpPr>
-        <p:spPr/>
-        <p:txBody>
-          <a:bodyPr/>
-          <a:lstStyle/>
-          <a:p>
-            <a:r>
-              <a:rPr lang="ru-RU" dirty="0">
-                <a:solidFill>
-                  <a:schemeClr val="bg1"/>
-                </a:solidFill>
-                <a:effectLst/>
-              </a:rPr>
-              <a:t>Риски</a:t>
-            </a:r>
-          </a:p>
-        </p:txBody>
-      </p:sp>
-      <p:pic>
-        <p:nvPicPr>
-          <p:cNvPr id="6146" name="Picture 2" descr="Картинки по запросу risk">
-            <a:extLst>
-              <a:ext uri="{FF2B5EF4-FFF2-40B4-BE49-F238E27FC236}">
-                <a16:creationId xmlns:a16="http://schemas.microsoft.com/office/drawing/2014/main" id="{DB650FDE-4890-414E-8656-C4D87896D348}"/>
+                <a16:creationId xmlns:a16="http://schemas.microsoft.com/office/drawing/2014/main" id="{CAA23FE5-B235-4C7C-B123-87BFBE1F3D9A}"/>
               </a:ext>
             </a:extLst>
           </p:cNvPr>
@@ -7018,13 +6927,13 @@
               </a:ext>
             </a:extLst>
           </a:blip>
-          <a:srcRect l="23876" t="18876" r="23204" b="19101"/>
+          <a:srcRect l="6649" t="6920" r="6288" b="5829"/>
           <a:stretch/>
         </p:blipFill>
         <p:spPr bwMode="auto">
           <a:xfrm>
-            <a:off x="8034391" y="1684962"/>
-            <a:ext cx="3233166" cy="3791872"/>
+            <a:off x="3188226" y="3929732"/>
+            <a:ext cx="5804900" cy="2318668"/>
           </a:xfrm>
           <a:prstGeom prst="rect">
             <a:avLst/>
@@ -7041,137 +6950,6 @@
           </a:extLst>
         </p:spPr>
       </p:pic>
-    </p:spTree>
-    <p:extLst>
-      <p:ext uri="{BB962C8B-B14F-4D97-AF65-F5344CB8AC3E}">
-        <p14:creationId xmlns:p14="http://schemas.microsoft.com/office/powerpoint/2010/main" val="3570882075"/>
-      </p:ext>
-    </p:extLst>
-  </p:cSld>
-  <p:clrMapOvr>
-    <a:masterClrMapping/>
-  </p:clrMapOvr>
-</p:sld>
-</file>
-
-<file path=ppt/slides/slide14.xml><?xml version="1.0" encoding="utf-8"?>
-<p:sld xmlns:a="http://schemas.openxmlformats.org/drawingml/2006/main" xmlns:r="http://schemas.openxmlformats.org/officeDocument/2006/relationships" xmlns:p="http://schemas.openxmlformats.org/presentationml/2006/main">
-  <p:cSld>
-    <p:spTree>
-      <p:nvGrpSpPr>
-        <p:cNvPr id="1" name=""/>
-        <p:cNvGrpSpPr/>
-        <p:nvPr/>
-      </p:nvGrpSpPr>
-      <p:grpSpPr>
-        <a:xfrm>
-          <a:off x="0" y="0"/>
-          <a:ext cx="0" cy="0"/>
-          <a:chOff x="0" y="0"/>
-          <a:chExt cx="0" cy="0"/>
-        </a:xfrm>
-      </p:grpSpPr>
-      <p:pic>
-        <p:nvPicPr>
-          <p:cNvPr id="15" name="Picture 3" descr="Изображение выглядит как здание, сидит, фотография, компьютер&#10;&#10;Автоматически созданное описание">
-            <a:extLst>
-              <a:ext uri="{FF2B5EF4-FFF2-40B4-BE49-F238E27FC236}">
-                <a16:creationId xmlns:a16="http://schemas.microsoft.com/office/drawing/2014/main" id="{DB70E234-62F4-4293-9F09-B65BC23B4C74}"/>
-              </a:ext>
-            </a:extLst>
-          </p:cNvPr>
-          <p:cNvPicPr>
-            <a:picLocks noChangeAspect="1"/>
-          </p:cNvPicPr>
-          <p:nvPr/>
-        </p:nvPicPr>
-        <p:blipFill rotWithShape="1">
-          <a:blip r:embed="rId2"/>
-          <a:srcRect t="12190" b="11796"/>
-          <a:stretch/>
-        </p:blipFill>
-        <p:spPr>
-          <a:xfrm>
-            <a:off x="20" y="10"/>
-            <a:ext cx="12191980" cy="6857990"/>
-          </a:xfrm>
-          <a:prstGeom prst="rect">
-            <a:avLst/>
-          </a:prstGeom>
-        </p:spPr>
-      </p:pic>
-      <p:sp>
-        <p:nvSpPr>
-          <p:cNvPr id="8" name="Заголовок 7">
-            <a:extLst>
-              <a:ext uri="{FF2B5EF4-FFF2-40B4-BE49-F238E27FC236}">
-                <a16:creationId xmlns:a16="http://schemas.microsoft.com/office/drawing/2014/main" id="{13B12786-4067-4F17-B66C-3E1E909E5B39}"/>
-              </a:ext>
-            </a:extLst>
-          </p:cNvPr>
-          <p:cNvSpPr>
-            <a:spLocks noGrp="1"/>
-          </p:cNvSpPr>
-          <p:nvPr>
-            <p:ph type="title"/>
-          </p:nvPr>
-        </p:nvSpPr>
-        <p:spPr/>
-        <p:txBody>
-          <a:bodyPr/>
-          <a:lstStyle/>
-          <a:p>
-            <a:r>
-              <a:rPr lang="ru-RU" dirty="0">
-                <a:solidFill>
-                  <a:schemeClr val="bg1"/>
-                </a:solidFill>
-                <a:effectLst/>
-              </a:rPr>
-              <a:t>Итого</a:t>
-            </a:r>
-          </a:p>
-        </p:txBody>
-      </p:sp>
-      <p:sp>
-        <p:nvSpPr>
-          <p:cNvPr id="2" name="TextBox 1">
-            <a:extLst>
-              <a:ext uri="{FF2B5EF4-FFF2-40B4-BE49-F238E27FC236}">
-                <a16:creationId xmlns:a16="http://schemas.microsoft.com/office/drawing/2014/main" id="{311B33CC-9198-4F27-AE8D-607DE9810EE1}"/>
-              </a:ext>
-            </a:extLst>
-          </p:cNvPr>
-          <p:cNvSpPr txBox="1"/>
-          <p:nvPr/>
-        </p:nvSpPr>
-        <p:spPr>
-          <a:xfrm>
-            <a:off x="1376737" y="2214879"/>
-            <a:ext cx="9890820" cy="523220"/>
-          </a:xfrm>
-          <a:prstGeom prst="rect">
-            <a:avLst/>
-          </a:prstGeom>
-          <a:noFill/>
-        </p:spPr>
-        <p:txBody>
-          <a:bodyPr wrap="square" rtlCol="0">
-            <a:spAutoFit/>
-          </a:bodyPr>
-          <a:lstStyle/>
-          <a:p>
-            <a:r>
-              <a:rPr lang="ru-RU" sz="2800" dirty="0">
-                <a:solidFill>
-                  <a:schemeClr val="bg1"/>
-                </a:solidFill>
-              </a:rPr>
-              <a:t>Готовы к сотрудничеству!</a:t>
-            </a:r>
-          </a:p>
-        </p:txBody>
-      </p:sp>
     </p:spTree>
     <p:extLst>
       <p:ext uri="{BB962C8B-B14F-4D97-AF65-F5344CB8AC3E}">
@@ -7576,7 +7354,7 @@
         <p:spPr>
           <a:xfrm>
             <a:off x="1045816" y="5374174"/>
-            <a:ext cx="2825393" cy="830997"/>
+            <a:ext cx="2825393" cy="1200329"/>
           </a:xfrm>
           <a:prstGeom prst="rect">
             <a:avLst/>
@@ -7588,6 +7366,17 @@
             <a:spAutoFit/>
           </a:bodyPr>
           <a:lstStyle/>
+          <a:p>
+            <a:pPr algn="ctr"/>
+            <a:r>
+              <a:rPr lang="ru-RU" sz="2400" b="1" dirty="0">
+                <a:solidFill>
+                  <a:schemeClr val="bg1"/>
+                </a:solidFill>
+              </a:rPr>
+              <a:t>Даниэль</a:t>
+            </a:r>
+          </a:p>
           <a:p>
             <a:pPr algn="ctr"/>
             <a:r>
@@ -7626,8 +7415,8 @@
         </p:nvSpPr>
         <p:spPr>
           <a:xfrm>
-            <a:off x="4502216" y="5374174"/>
-            <a:ext cx="2825393" cy="830997"/>
+            <a:off x="4502216" y="5364690"/>
+            <a:ext cx="2825393" cy="1200329"/>
           </a:xfrm>
           <a:prstGeom prst="rect">
             <a:avLst/>
@@ -7639,6 +7428,17 @@
             <a:spAutoFit/>
           </a:bodyPr>
           <a:lstStyle/>
+          <a:p>
+            <a:pPr algn="ctr"/>
+            <a:r>
+              <a:rPr lang="ru-RU" sz="2400" b="1" dirty="0">
+                <a:solidFill>
+                  <a:schemeClr val="bg1"/>
+                </a:solidFill>
+              </a:rPr>
+              <a:t>Виктория</a:t>
+            </a:r>
+          </a:p>
           <a:p>
             <a:pPr algn="ctr"/>
             <a:r>
@@ -7678,7 +7478,7 @@
         <p:spPr>
           <a:xfrm>
             <a:off x="7958616" y="5364690"/>
-            <a:ext cx="2825393" cy="830997"/>
+            <a:ext cx="2825393" cy="1200329"/>
           </a:xfrm>
           <a:prstGeom prst="rect">
             <a:avLst/>
@@ -7690,6 +7490,17 @@
             <a:spAutoFit/>
           </a:bodyPr>
           <a:lstStyle/>
+          <a:p>
+            <a:pPr algn="ctr"/>
+            <a:r>
+              <a:rPr lang="ru-RU" sz="2400" b="1" dirty="0">
+                <a:solidFill>
+                  <a:schemeClr val="bg1"/>
+                </a:solidFill>
+              </a:rPr>
+              <a:t>Елизавета</a:t>
+            </a:r>
+          </a:p>
           <a:p>
             <a:pPr algn="ctr"/>
             <a:r>
@@ -7806,17 +7617,57 @@
                 </a:solidFill>
                 <a:effectLst/>
               </a:rPr>
-              <a:t>Бизнес-модель</a:t>
+              <a:t>Проблема</a:t>
+            </a:r>
+          </a:p>
+        </p:txBody>
+      </p:sp>
+      <p:sp>
+        <p:nvSpPr>
+          <p:cNvPr id="2" name="TextBox 1">
+            <a:extLst>
+              <a:ext uri="{FF2B5EF4-FFF2-40B4-BE49-F238E27FC236}">
+                <a16:creationId xmlns:a16="http://schemas.microsoft.com/office/drawing/2014/main" id="{02D7E162-1C61-46A9-B236-3210AB868FBB}"/>
+              </a:ext>
+            </a:extLst>
+          </p:cNvPr>
+          <p:cNvSpPr txBox="1"/>
+          <p:nvPr/>
+        </p:nvSpPr>
+        <p:spPr>
+          <a:xfrm>
+            <a:off x="1089061" y="2806286"/>
+            <a:ext cx="5568593" cy="954107"/>
+          </a:xfrm>
+          <a:prstGeom prst="rect">
+            <a:avLst/>
+          </a:prstGeom>
+          <a:noFill/>
+        </p:spPr>
+        <p:txBody>
+          <a:bodyPr wrap="square" rtlCol="0">
+            <a:spAutoFit/>
+          </a:bodyPr>
+          <a:lstStyle/>
+          <a:p>
+            <a:pPr algn="ctr"/>
+            <a:r>
+              <a:rPr lang="ru-RU" sz="2800" dirty="0">
+                <a:solidFill>
+                  <a:schemeClr val="bg1"/>
+                </a:solidFill>
+              </a:rPr>
+              <a:t>80% аккумуляторов небезопасны и вредят экологии!</a:t>
             </a:r>
           </a:p>
         </p:txBody>
       </p:sp>
       <p:pic>
         <p:nvPicPr>
-          <p:cNvPr id="5122" name="Picture 2" descr="Картинки по запросу clocks inside">
+          <p:cNvPr id="1026" name="Picture 2" descr="Картинки по запросу problem">
             <a:extLst>
               <a:ext uri="{FF2B5EF4-FFF2-40B4-BE49-F238E27FC236}">
-                <a16:creationId xmlns:a16="http://schemas.microsoft.com/office/drawing/2014/main" id="{AE98177D-7AF5-4FB3-9AAB-2D00B8A8B48A}"/>
+                <a16:creationId xmlns:a16="http://schemas.microsoft.com/office/drawing/2014/main" id="{FF5DFF13-1C1E-41E6-8864-7BC27F3CD3BB}"/>
               </a:ext>
             </a:extLst>
           </p:cNvPr>
@@ -7840,8 +7691,8 @@
         </p:blipFill>
         <p:spPr bwMode="auto">
           <a:xfrm>
-            <a:off x="5229545" y="3406982"/>
-            <a:ext cx="6038011" cy="2841417"/>
+            <a:off x="6965880" y="2026843"/>
+            <a:ext cx="3467100" cy="3467100"/>
           </a:xfrm>
           <a:prstGeom prst="rect">
             <a:avLst/>
@@ -7861,7 +7712,7 @@
     </p:spTree>
     <p:extLst>
       <p:ext uri="{BB962C8B-B14F-4D97-AF65-F5344CB8AC3E}">
-        <p14:creationId xmlns:p14="http://schemas.microsoft.com/office/powerpoint/2010/main" val="1342743028"/>
+        <p14:creationId xmlns:p14="http://schemas.microsoft.com/office/powerpoint/2010/main" val="4098374344"/>
       </p:ext>
     </p:extLst>
   </p:cSld>
@@ -7945,7 +7796,146 @@
                 </a:solidFill>
                 <a:effectLst/>
               </a:rPr>
-              <a:t>Оценка рынка</a:t>
+              <a:t>Решение!</a:t>
+            </a:r>
+          </a:p>
+        </p:txBody>
+      </p:sp>
+      <p:pic>
+        <p:nvPicPr>
+          <p:cNvPr id="1028" name="Picture 4" descr="Картинки по запросу solution">
+            <a:extLst>
+              <a:ext uri="{FF2B5EF4-FFF2-40B4-BE49-F238E27FC236}">
+                <a16:creationId xmlns:a16="http://schemas.microsoft.com/office/drawing/2014/main" id="{AEC9163E-5F88-4AB2-B25F-EBEC21BE8CA7}"/>
+              </a:ext>
+            </a:extLst>
+          </p:cNvPr>
+          <p:cNvPicPr>
+            <a:picLocks noChangeAspect="1" noChangeArrowheads="1"/>
+          </p:cNvPicPr>
+          <p:nvPr/>
+        </p:nvPicPr>
+        <p:blipFill>
+          <a:blip r:embed="rId3">
+            <a:extLst>
+              <a:ext uri="{28A0092B-C50C-407E-A947-70E740481C1C}">
+                <a14:useLocalDpi xmlns:a14="http://schemas.microsoft.com/office/drawing/2010/main" val="0"/>
+              </a:ext>
+            </a:extLst>
+          </a:blip>
+          <a:srcRect/>
+          <a:stretch>
+            <a:fillRect/>
+          </a:stretch>
+        </p:blipFill>
+        <p:spPr bwMode="auto">
+          <a:xfrm>
+            <a:off x="6806037" y="1866900"/>
+            <a:ext cx="4230944" cy="3453179"/>
+          </a:xfrm>
+          <a:prstGeom prst="rect">
+            <a:avLst/>
+          </a:prstGeom>
+          <a:noFill/>
+          <a:extLst>
+            <a:ext uri="{909E8E84-426E-40DD-AFC4-6F175D3DCCD1}">
+              <a14:hiddenFill xmlns:a14="http://schemas.microsoft.com/office/drawing/2010/main">
+                <a:solidFill>
+                  <a:srgbClr val="FFFFFF"/>
+                </a:solidFill>
+              </a14:hiddenFill>
+            </a:ext>
+          </a:extLst>
+        </p:spPr>
+      </p:pic>
+      <p:sp>
+        <p:nvSpPr>
+          <p:cNvPr id="9" name="TextBox 8">
+            <a:extLst>
+              <a:ext uri="{FF2B5EF4-FFF2-40B4-BE49-F238E27FC236}">
+                <a16:creationId xmlns:a16="http://schemas.microsoft.com/office/drawing/2014/main" id="{50DC6667-96AB-4861-9D32-BCC51DF5065D}"/>
+              </a:ext>
+            </a:extLst>
+          </p:cNvPr>
+          <p:cNvSpPr txBox="1"/>
+          <p:nvPr/>
+        </p:nvSpPr>
+        <p:spPr>
+          <a:xfrm>
+            <a:off x="1047963" y="1866900"/>
+            <a:ext cx="5527498" cy="2246769"/>
+          </a:xfrm>
+          <a:prstGeom prst="rect">
+            <a:avLst/>
+          </a:prstGeom>
+          <a:noFill/>
+        </p:spPr>
+        <p:txBody>
+          <a:bodyPr wrap="square" rtlCol="0">
+            <a:spAutoFit/>
+          </a:bodyPr>
+          <a:lstStyle/>
+          <a:p>
+            <a:r>
+              <a:rPr lang="ru-RU" sz="2800" dirty="0">
+                <a:solidFill>
+                  <a:schemeClr val="bg1"/>
+                </a:solidFill>
+              </a:rPr>
+              <a:t>Плазменные топливные элементы</a:t>
+            </a:r>
+          </a:p>
+          <a:p>
+            <a:pPr marL="457200" indent="-457200">
+              <a:buFont typeface="Arial" panose="020B0604020202020204" pitchFamily="34" charset="0"/>
+              <a:buChar char="•"/>
+            </a:pPr>
+            <a:endParaRPr lang="ru-RU" sz="2800" dirty="0">
+              <a:solidFill>
+                <a:schemeClr val="bg1"/>
+              </a:solidFill>
+            </a:endParaRPr>
+          </a:p>
+          <a:p>
+            <a:pPr marL="457200" indent="-457200">
+              <a:buFont typeface="Wingdings" panose="05000000000000000000" pitchFamily="2" charset="2"/>
+              <a:buChar char="ü"/>
+            </a:pPr>
+            <a:r>
+              <a:rPr lang="ru-RU" sz="2800" dirty="0">
+                <a:solidFill>
+                  <a:schemeClr val="bg1"/>
+                </a:solidFill>
+              </a:rPr>
+              <a:t>Безопасность</a:t>
+            </a:r>
+          </a:p>
+          <a:p>
+            <a:pPr marL="457200" indent="-457200">
+              <a:buFont typeface="Wingdings" panose="05000000000000000000" pitchFamily="2" charset="2"/>
+              <a:buChar char="ü"/>
+            </a:pPr>
+            <a:r>
+              <a:rPr lang="ru-RU" sz="2800" dirty="0">
+                <a:solidFill>
+                  <a:schemeClr val="bg1"/>
+                </a:solidFill>
+              </a:rPr>
+              <a:t>Экологичность</a:t>
+            </a:r>
+          </a:p>
+          <a:p>
+            <a:pPr marL="457200" indent="-457200">
+              <a:buFont typeface="Wingdings" panose="05000000000000000000" pitchFamily="2" charset="2"/>
+              <a:buChar char="ü"/>
+            </a:pPr>
+            <a:r>
+              <a:rPr lang="ru-RU" sz="2800" dirty="0">
+                <a:solidFill>
+                  <a:schemeClr val="bg1"/>
+                </a:solidFill>
+              </a:rPr>
+              <a:t>Долговечность</a:t>
             </a:r>
           </a:p>
         </p:txBody>
@@ -7953,7 +7943,7 @@
     </p:spTree>
     <p:extLst>
       <p:ext uri="{BB962C8B-B14F-4D97-AF65-F5344CB8AC3E}">
-        <p14:creationId xmlns:p14="http://schemas.microsoft.com/office/powerpoint/2010/main" val="496365019"/>
+        <p14:creationId xmlns:p14="http://schemas.microsoft.com/office/powerpoint/2010/main" val="3295157351"/>
       </p:ext>
     </p:extLst>
   </p:cSld>
@@ -7964,7 +7954,7 @@
 </file>
 
 <file path=ppt/slides/slide6.xml><?xml version="1.0" encoding="utf-8"?>
-<p:sld xmlns:a="http://schemas.openxmlformats.org/drawingml/2006/main" xmlns:r="http://schemas.openxmlformats.org/officeDocument/2006/relationships" xmlns:p="http://schemas.openxmlformats.org/presentationml/2006/main">
+<p:sld xmlns:a="http://schemas.openxmlformats.org/drawingml/2006/main" xmlns:r="http://schemas.openxmlformats.org/officeDocument/2006/relationships" xmlns:p="http://schemas.openxmlformats.org/presentationml/2006/main" show="0">
   <p:cSld>
     <p:spTree>
       <p:nvGrpSpPr>
@@ -8037,62 +8027,102 @@
                 </a:solidFill>
                 <a:effectLst/>
               </a:rPr>
-              <a:t>Разработка продукта</a:t>
-            </a:r>
-          </a:p>
-        </p:txBody>
-      </p:sp>
-      <p:pic>
-        <p:nvPicPr>
-          <p:cNvPr id="8194" name="Picture 2" descr="Картинки по запросу agile">
+              <a:t>Оценка рынка</a:t>
+            </a:r>
+          </a:p>
+        </p:txBody>
+      </p:sp>
+      <p:sp>
+        <p:nvSpPr>
+          <p:cNvPr id="2" name="TextBox 1">
             <a:extLst>
               <a:ext uri="{FF2B5EF4-FFF2-40B4-BE49-F238E27FC236}">
-                <a16:creationId xmlns:a16="http://schemas.microsoft.com/office/drawing/2014/main" id="{D1E0D8C6-9E18-418C-936B-9F1AE423BC28}"/>
+                <a16:creationId xmlns:a16="http://schemas.microsoft.com/office/drawing/2014/main" id="{03487274-BA91-4FB3-9133-9AA36A75BD15}"/>
               </a:ext>
             </a:extLst>
           </p:cNvPr>
-          <p:cNvPicPr>
-            <a:picLocks noChangeAspect="1" noChangeArrowheads="1"/>
-          </p:cNvPicPr>
+          <p:cNvSpPr txBox="1"/>
           <p:nvPr/>
-        </p:nvPicPr>
-        <p:blipFill>
-          <a:blip r:embed="rId3">
-            <a:extLst>
-              <a:ext uri="{28A0092B-C50C-407E-A947-70E740481C1C}">
-                <a14:useLocalDpi xmlns:a14="http://schemas.microsoft.com/office/drawing/2010/main" val="0"/>
-              </a:ext>
-            </a:extLst>
-          </a:blip>
-          <a:srcRect/>
-          <a:stretch>
-            <a:fillRect/>
-          </a:stretch>
-        </p:blipFill>
-        <p:spPr bwMode="auto">
-          <a:xfrm>
-            <a:off x="5040015" y="2065106"/>
-            <a:ext cx="6227542" cy="3296934"/>
+        </p:nvSpPr>
+        <p:spPr>
+          <a:xfrm>
+            <a:off x="913795" y="1866900"/>
+            <a:ext cx="8178834" cy="2308324"/>
           </a:xfrm>
           <a:prstGeom prst="rect">
             <a:avLst/>
           </a:prstGeom>
           <a:noFill/>
-          <a:extLst>
-            <a:ext uri="{909E8E84-426E-40DD-AFC4-6F175D3DCCD1}">
-              <a14:hiddenFill xmlns:a14="http://schemas.microsoft.com/office/drawing/2010/main">
-                <a:solidFill>
-                  <a:srgbClr val="FFFFFF"/>
-                </a:solidFill>
-              </a14:hiddenFill>
-            </a:ext>
-          </a:extLst>
-        </p:spPr>
-      </p:pic>
+        </p:spPr>
+        <p:txBody>
+          <a:bodyPr wrap="square" rtlCol="0">
+            <a:spAutoFit/>
+          </a:bodyPr>
+          <a:lstStyle/>
+          <a:p>
+            <a:pPr marL="285750" indent="-285750">
+              <a:buFont typeface="Wingdings" panose="05000000000000000000" pitchFamily="2" charset="2"/>
+              <a:buChar char="ü"/>
+            </a:pPr>
+            <a:r>
+              <a:rPr lang="en-US" sz="3600" dirty="0">
+                <a:solidFill>
+                  <a:schemeClr val="bg1"/>
+                </a:solidFill>
+              </a:rPr>
+              <a:t> 1,7 </a:t>
+            </a:r>
+            <a:r>
+              <a:rPr lang="ru-RU" sz="3600" dirty="0">
+                <a:solidFill>
+                  <a:schemeClr val="bg1"/>
+                </a:solidFill>
+              </a:rPr>
+              <a:t>триллиона долларов к 2021</a:t>
+            </a:r>
+          </a:p>
+          <a:p>
+            <a:pPr marL="285750" indent="-285750">
+              <a:buFont typeface="Wingdings" panose="05000000000000000000" pitchFamily="2" charset="2"/>
+              <a:buChar char="ü"/>
+            </a:pPr>
+            <a:r>
+              <a:rPr lang="ru-RU" sz="3600" dirty="0">
+                <a:solidFill>
+                  <a:schemeClr val="bg1"/>
+                </a:solidFill>
+              </a:rPr>
+              <a:t> Менее 20% – безопасны </a:t>
+            </a:r>
+          </a:p>
+          <a:p>
+            <a:pPr marL="285750" indent="-285750">
+              <a:buFont typeface="Wingdings" panose="05000000000000000000" pitchFamily="2" charset="2"/>
+              <a:buChar char="ü"/>
+            </a:pPr>
+            <a:endParaRPr lang="ru-RU" sz="3600" dirty="0">
+              <a:solidFill>
+                <a:schemeClr val="bg1"/>
+              </a:solidFill>
+            </a:endParaRPr>
+          </a:p>
+          <a:p>
+            <a:pPr marL="285750" indent="-285750">
+              <a:buFont typeface="Wingdings" panose="05000000000000000000" pitchFamily="2" charset="2"/>
+              <a:buChar char="ü"/>
+            </a:pPr>
+            <a:endParaRPr lang="en-US" sz="3600" dirty="0">
+              <a:solidFill>
+                <a:schemeClr val="bg1"/>
+              </a:solidFill>
+            </a:endParaRPr>
+          </a:p>
+        </p:txBody>
+      </p:sp>
     </p:spTree>
     <p:extLst>
       <p:ext uri="{BB962C8B-B14F-4D97-AF65-F5344CB8AC3E}">
-        <p14:creationId xmlns:p14="http://schemas.microsoft.com/office/powerpoint/2010/main" val="3165337649"/>
+        <p14:creationId xmlns:p14="http://schemas.microsoft.com/office/powerpoint/2010/main" val="496365019"/>
       </p:ext>
     </p:extLst>
   </p:cSld>
@@ -8103,7 +8133,7 @@
 </file>
 
 <file path=ppt/slides/slide7.xml><?xml version="1.0" encoding="utf-8"?>
-<p:sld xmlns:a="http://schemas.openxmlformats.org/drawingml/2006/main" xmlns:r="http://schemas.openxmlformats.org/officeDocument/2006/relationships" xmlns:p="http://schemas.openxmlformats.org/presentationml/2006/main">
+<p:sld xmlns:a="http://schemas.openxmlformats.org/drawingml/2006/main" xmlns:r="http://schemas.openxmlformats.org/officeDocument/2006/relationships" xmlns:p="http://schemas.openxmlformats.org/presentationml/2006/main" show="0">
   <p:cSld>
     <p:spTree>
       <p:nvGrpSpPr>
@@ -8176,17 +8206,17 @@
                 </a:solidFill>
                 <a:effectLst/>
               </a:rPr>
-              <a:t>А что потребители?</a:t>
+              <a:t>Бизнес-модель</a:t>
             </a:r>
           </a:p>
         </p:txBody>
       </p:sp>
       <p:pic>
         <p:nvPicPr>
-          <p:cNvPr id="3074" name="Picture 2" descr="Картинки по запросу глупый юзер">
+          <p:cNvPr id="5122" name="Picture 2" descr="Картинки по запросу clocks inside">
             <a:extLst>
               <a:ext uri="{FF2B5EF4-FFF2-40B4-BE49-F238E27FC236}">
-                <a16:creationId xmlns:a16="http://schemas.microsoft.com/office/drawing/2014/main" id="{F3F1755F-D35C-4A58-967C-83C810A1E811}"/>
+                <a16:creationId xmlns:a16="http://schemas.microsoft.com/office/drawing/2014/main" id="{AE98177D-7AF5-4FB3-9AAB-2D00B8A8B48A}"/>
               </a:ext>
             </a:extLst>
           </p:cNvPr>
@@ -8210,8 +8240,8 @@
         </p:blipFill>
         <p:spPr bwMode="auto">
           <a:xfrm>
-            <a:off x="7660151" y="1757436"/>
-            <a:ext cx="3607406" cy="3146548"/>
+            <a:off x="5229545" y="3406982"/>
+            <a:ext cx="6038011" cy="2841417"/>
           </a:xfrm>
           <a:prstGeom prst="rect">
             <a:avLst/>
@@ -8228,10 +8258,67 @@
           </a:extLst>
         </p:spPr>
       </p:pic>
+      <p:sp>
+        <p:nvSpPr>
+          <p:cNvPr id="2" name="TextBox 1">
+            <a:extLst>
+              <a:ext uri="{FF2B5EF4-FFF2-40B4-BE49-F238E27FC236}">
+                <a16:creationId xmlns:a16="http://schemas.microsoft.com/office/drawing/2014/main" id="{08D54DF9-4816-409F-B39B-3B62C2873C6A}"/>
+              </a:ext>
+            </a:extLst>
+          </p:cNvPr>
+          <p:cNvSpPr txBox="1"/>
+          <p:nvPr/>
+        </p:nvSpPr>
+        <p:spPr>
+          <a:xfrm>
+            <a:off x="1150705" y="1866900"/>
+            <a:ext cx="7286162" cy="1077218"/>
+          </a:xfrm>
+          <a:prstGeom prst="rect">
+            <a:avLst/>
+          </a:prstGeom>
+          <a:noFill/>
+        </p:spPr>
+        <p:txBody>
+          <a:bodyPr wrap="none" rtlCol="0">
+            <a:spAutoFit/>
+          </a:bodyPr>
+          <a:lstStyle/>
+          <a:p>
+            <a:pPr marL="457200" indent="-457200">
+              <a:buFont typeface="Arial" panose="020B0604020202020204" pitchFamily="34" charset="0"/>
+              <a:buChar char="•"/>
+            </a:pPr>
+            <a:r>
+              <a:rPr lang="ru-RU" sz="3200" dirty="0">
+                <a:solidFill>
+                  <a:schemeClr val="bg1"/>
+                </a:solidFill>
+              </a:rPr>
+              <a:t>Главный актив – лучшие специалисты</a:t>
+            </a:r>
+          </a:p>
+          <a:p>
+            <a:pPr marL="457200" indent="-457200">
+              <a:buFont typeface="Arial" panose="020B0604020202020204" pitchFamily="34" charset="0"/>
+              <a:buChar char="•"/>
+            </a:pPr>
+            <a:r>
+              <a:rPr lang="ru-RU" sz="3200" dirty="0">
+                <a:solidFill>
+                  <a:schemeClr val="bg1"/>
+                </a:solidFill>
+              </a:rPr>
+              <a:t>До выхода на окупаемость – 3 года</a:t>
+            </a:r>
+          </a:p>
+        </p:txBody>
+      </p:sp>
     </p:spTree>
     <p:extLst>
       <p:ext uri="{BB962C8B-B14F-4D97-AF65-F5344CB8AC3E}">
-        <p14:creationId xmlns:p14="http://schemas.microsoft.com/office/powerpoint/2010/main" val="1200770322"/>
+        <p14:creationId xmlns:p14="http://schemas.microsoft.com/office/powerpoint/2010/main" val="1342743028"/>
       </p:ext>
     </p:extLst>
   </p:cSld>
@@ -8315,7 +8402,164 @@
                 </a:solidFill>
                 <a:effectLst/>
               </a:rPr>
-              <a:t>Защита результатов</a:t>
+              <a:t>Стартап</a:t>
+            </a:r>
+          </a:p>
+        </p:txBody>
+      </p:sp>
+      <p:pic>
+        <p:nvPicPr>
+          <p:cNvPr id="2050" name="Picture 2" descr="Картинки по запросу илон маск курит">
+            <a:extLst>
+              <a:ext uri="{FF2B5EF4-FFF2-40B4-BE49-F238E27FC236}">
+                <a16:creationId xmlns:a16="http://schemas.microsoft.com/office/drawing/2014/main" id="{FCEB869A-A45A-4E51-9DB2-D19DA16F8CC1}"/>
+              </a:ext>
+            </a:extLst>
+          </p:cNvPr>
+          <p:cNvPicPr>
+            <a:picLocks noChangeAspect="1" noChangeArrowheads="1"/>
+          </p:cNvPicPr>
+          <p:nvPr/>
+        </p:nvPicPr>
+        <p:blipFill>
+          <a:blip r:embed="rId3">
+            <a:extLst>
+              <a:ext uri="{28A0092B-C50C-407E-A947-70E740481C1C}">
+                <a14:useLocalDpi xmlns:a14="http://schemas.microsoft.com/office/drawing/2010/main" val="0"/>
+              </a:ext>
+            </a:extLst>
+          </a:blip>
+          <a:srcRect/>
+          <a:stretch>
+            <a:fillRect/>
+          </a:stretch>
+        </p:blipFill>
+        <p:spPr bwMode="auto">
+          <a:xfrm>
+            <a:off x="6739847" y="2276998"/>
+            <a:ext cx="4527710" cy="3018474"/>
+          </a:xfrm>
+          <a:prstGeom prst="rect">
+            <a:avLst/>
+          </a:prstGeom>
+          <a:noFill/>
+          <a:extLst>
+            <a:ext uri="{909E8E84-426E-40DD-AFC4-6F175D3DCCD1}">
+              <a14:hiddenFill xmlns:a14="http://schemas.microsoft.com/office/drawing/2010/main">
+                <a:solidFill>
+                  <a:srgbClr val="FFFFFF"/>
+                </a:solidFill>
+              </a14:hiddenFill>
+            </a:ext>
+          </a:extLst>
+        </p:spPr>
+      </p:pic>
+      <p:sp>
+        <p:nvSpPr>
+          <p:cNvPr id="2" name="TextBox 1">
+            <a:extLst>
+              <a:ext uri="{FF2B5EF4-FFF2-40B4-BE49-F238E27FC236}">
+                <a16:creationId xmlns:a16="http://schemas.microsoft.com/office/drawing/2014/main" id="{39CAD857-E35B-483C-9803-E22513EBC477}"/>
+              </a:ext>
+            </a:extLst>
+          </p:cNvPr>
+          <p:cNvSpPr txBox="1"/>
+          <p:nvPr/>
+        </p:nvSpPr>
+        <p:spPr>
+          <a:xfrm>
+            <a:off x="7184896" y="5474737"/>
+            <a:ext cx="3648115" cy="461665"/>
+          </a:xfrm>
+          <a:prstGeom prst="rect">
+            <a:avLst/>
+          </a:prstGeom>
+          <a:noFill/>
+        </p:spPr>
+        <p:txBody>
+          <a:bodyPr wrap="none" rtlCol="0">
+            <a:spAutoFit/>
+          </a:bodyPr>
+          <a:lstStyle/>
+          <a:p>
+            <a:r>
+              <a:rPr lang="ru-RU" sz="2400" dirty="0">
+                <a:solidFill>
+                  <a:schemeClr val="bg1"/>
+                </a:solidFill>
+              </a:rPr>
+              <a:t>(нервно курит в сторонке)</a:t>
+            </a:r>
+          </a:p>
+        </p:txBody>
+      </p:sp>
+      <p:sp>
+        <p:nvSpPr>
+          <p:cNvPr id="6" name="TextBox 5">
+            <a:extLst>
+              <a:ext uri="{FF2B5EF4-FFF2-40B4-BE49-F238E27FC236}">
+                <a16:creationId xmlns:a16="http://schemas.microsoft.com/office/drawing/2014/main" id="{47C3C557-ABB9-47D8-87C7-2D63225CCBE3}"/>
+              </a:ext>
+            </a:extLst>
+          </p:cNvPr>
+          <p:cNvSpPr txBox="1"/>
+          <p:nvPr/>
+        </p:nvSpPr>
+        <p:spPr>
+          <a:xfrm>
+            <a:off x="1047963" y="1866900"/>
+            <a:ext cx="5527498" cy="2677656"/>
+          </a:xfrm>
+          <a:prstGeom prst="rect">
+            <a:avLst/>
+          </a:prstGeom>
+          <a:noFill/>
+        </p:spPr>
+        <p:txBody>
+          <a:bodyPr wrap="square" rtlCol="0">
+            <a:spAutoFit/>
+          </a:bodyPr>
+          <a:lstStyle/>
+          <a:p>
+            <a:pPr marL="457200" indent="-457200">
+              <a:buFont typeface="Arial" panose="020B0604020202020204" pitchFamily="34" charset="0"/>
+              <a:buChar char="•"/>
+            </a:pPr>
+            <a:r>
+              <a:rPr lang="ru-RU" sz="2800" dirty="0">
+                <a:solidFill>
+                  <a:schemeClr val="bg1"/>
+                </a:solidFill>
+              </a:rPr>
+              <a:t>Наше ценностное предложение –плазменные топливные элементы нового поколения</a:t>
+            </a:r>
+          </a:p>
+          <a:p>
+            <a:pPr marL="457200" indent="-457200">
+              <a:buFont typeface="Arial" panose="020B0604020202020204" pitchFamily="34" charset="0"/>
+              <a:buChar char="•"/>
+            </a:pPr>
+            <a:r>
+              <a:rPr lang="ru-RU" sz="2800" dirty="0">
+                <a:solidFill>
+                  <a:schemeClr val="bg1"/>
+                </a:solidFill>
+              </a:rPr>
+              <a:t>Наш главный актив – лучшие специалисты</a:t>
+            </a:r>
+          </a:p>
+          <a:p>
+            <a:pPr marL="457200" indent="-457200">
+              <a:buFont typeface="Arial" panose="020B0604020202020204" pitchFamily="34" charset="0"/>
+              <a:buChar char="•"/>
+            </a:pPr>
+            <a:r>
+              <a:rPr lang="ru-RU" sz="2800" dirty="0">
+                <a:solidFill>
+                  <a:schemeClr val="bg1"/>
+                </a:solidFill>
+              </a:rPr>
+              <a:t>Наш срок окупаемости 3 года</a:t>
             </a:r>
           </a:p>
         </p:txBody>
@@ -8323,7 +8567,7 @@
     </p:spTree>
     <p:extLst>
       <p:ext uri="{BB962C8B-B14F-4D97-AF65-F5344CB8AC3E}">
-        <p14:creationId xmlns:p14="http://schemas.microsoft.com/office/powerpoint/2010/main" val="1819017998"/>
+        <p14:creationId xmlns:p14="http://schemas.microsoft.com/office/powerpoint/2010/main" val="1000349104"/>
       </p:ext>
     </p:extLst>
   </p:cSld>
@@ -8407,7 +8651,125 @@
                 </a:solidFill>
                 <a:effectLst/>
               </a:rPr>
-              <a:t>Лицензирование</a:t>
+              <a:t>Разработка продукта</a:t>
+            </a:r>
+          </a:p>
+        </p:txBody>
+      </p:sp>
+      <p:pic>
+        <p:nvPicPr>
+          <p:cNvPr id="8194" name="Picture 2" descr="Картинки по запросу agile">
+            <a:extLst>
+              <a:ext uri="{FF2B5EF4-FFF2-40B4-BE49-F238E27FC236}">
+                <a16:creationId xmlns:a16="http://schemas.microsoft.com/office/drawing/2014/main" id="{D1E0D8C6-9E18-418C-936B-9F1AE423BC28}"/>
+              </a:ext>
+            </a:extLst>
+          </p:cNvPr>
+          <p:cNvPicPr>
+            <a:picLocks noChangeAspect="1" noChangeArrowheads="1"/>
+          </p:cNvPicPr>
+          <p:nvPr/>
+        </p:nvPicPr>
+        <p:blipFill>
+          <a:blip r:embed="rId3">
+            <a:extLst>
+              <a:ext uri="{28A0092B-C50C-407E-A947-70E740481C1C}">
+                <a14:useLocalDpi xmlns:a14="http://schemas.microsoft.com/office/drawing/2010/main" val="0"/>
+              </a:ext>
+            </a:extLst>
+          </a:blip>
+          <a:srcRect/>
+          <a:stretch>
+            <a:fillRect/>
+          </a:stretch>
+        </p:blipFill>
+        <p:spPr bwMode="auto">
+          <a:xfrm>
+            <a:off x="5681609" y="3291132"/>
+            <a:ext cx="5585948" cy="2957267"/>
+          </a:xfrm>
+          <a:prstGeom prst="rect">
+            <a:avLst/>
+          </a:prstGeom>
+          <a:noFill/>
+          <a:extLst>
+            <a:ext uri="{909E8E84-426E-40DD-AFC4-6F175D3DCCD1}">
+              <a14:hiddenFill xmlns:a14="http://schemas.microsoft.com/office/drawing/2010/main">
+                <a:solidFill>
+                  <a:srgbClr val="FFFFFF"/>
+                </a:solidFill>
+              </a14:hiddenFill>
+            </a:ext>
+          </a:extLst>
+        </p:spPr>
+      </p:pic>
+      <p:sp>
+        <p:nvSpPr>
+          <p:cNvPr id="5" name="TextBox 4">
+            <a:extLst>
+              <a:ext uri="{FF2B5EF4-FFF2-40B4-BE49-F238E27FC236}">
+                <a16:creationId xmlns:a16="http://schemas.microsoft.com/office/drawing/2014/main" id="{ECE9ED6D-E0B0-40FC-93A6-72D51D7B5BEE}"/>
+              </a:ext>
+            </a:extLst>
+          </p:cNvPr>
+          <p:cNvSpPr txBox="1"/>
+          <p:nvPr/>
+        </p:nvSpPr>
+        <p:spPr>
+          <a:xfrm>
+            <a:off x="1191802" y="1803257"/>
+            <a:ext cx="8533683" cy="1569660"/>
+          </a:xfrm>
+          <a:prstGeom prst="rect">
+            <a:avLst/>
+          </a:prstGeom>
+          <a:noFill/>
+        </p:spPr>
+        <p:txBody>
+          <a:bodyPr wrap="none" rtlCol="0">
+            <a:spAutoFit/>
+          </a:bodyPr>
+          <a:lstStyle/>
+          <a:p>
+            <a:pPr marL="457200" indent="-457200">
+              <a:buFont typeface="Arial" panose="020B0604020202020204" pitchFamily="34" charset="0"/>
+              <a:buChar char="•"/>
+            </a:pPr>
+            <a:r>
+              <a:rPr lang="ru-RU" sz="3200" dirty="0">
+                <a:solidFill>
+                  <a:schemeClr val="bg1"/>
+                </a:solidFill>
+              </a:rPr>
+              <a:t>Разрабатываем технологию</a:t>
+            </a:r>
+          </a:p>
+          <a:p>
+            <a:pPr marL="457200" indent="-457200">
+              <a:buFont typeface="Arial" panose="020B0604020202020204" pitchFamily="34" charset="0"/>
+              <a:buChar char="•"/>
+            </a:pPr>
+            <a:r>
+              <a:rPr lang="ru-RU" sz="3200" dirty="0">
+                <a:solidFill>
+                  <a:schemeClr val="bg1"/>
+                </a:solidFill>
+              </a:rPr>
+              <a:t>Создаем линейку инженерных решений ПТЭ</a:t>
+            </a:r>
+          </a:p>
+          <a:p>
+            <a:pPr marL="457200" indent="-457200">
+              <a:buFont typeface="Arial" panose="020B0604020202020204" pitchFamily="34" charset="0"/>
+              <a:buChar char="•"/>
+            </a:pPr>
+            <a:r>
+              <a:rPr lang="ru-RU" sz="3200" dirty="0">
+                <a:solidFill>
+                  <a:schemeClr val="bg1"/>
+                </a:solidFill>
+              </a:rPr>
+              <a:t>Итеративно повторяем до захвата мира!</a:t>
             </a:r>
           </a:p>
         </p:txBody>
@@ -8415,7 +8777,7 @@
     </p:spTree>
     <p:extLst>
       <p:ext uri="{BB962C8B-B14F-4D97-AF65-F5344CB8AC3E}">
-        <p14:creationId xmlns:p14="http://schemas.microsoft.com/office/powerpoint/2010/main" val="473353164"/>
+        <p14:creationId xmlns:p14="http://schemas.microsoft.com/office/powerpoint/2010/main" val="3165337649"/>
       </p:ext>
     </p:extLst>
   </p:cSld>
